--- a/씨애랑_SW전시회_ppt.pptx
+++ b/씨애랑_SW전시회_ppt.pptx
@@ -3731,7 +3731,7 @@
                   <a:srgbClr val="00B0F0"/>
                 </a:solidFill>
               </a:rPr>
-              <a:t> 간단한 심리테스트 앱 구현하기</a:t>
+              <a:t> 심리테스트 앱 구현하기</a:t>
             </a:r>
           </a:p>
         </p:txBody>
@@ -4064,7 +4064,7 @@
                 <a:latin typeface="맑은 고딕" panose="020B0503020000020004" pitchFamily="50" charset="-127"/>
                 <a:cs typeface="Arial" panose="020B0604020202020204" pitchFamily="34" charset="0"/>
               </a:rPr>
-              <a:t>안드로이드 스튜디오를 활용한 심리테스트 구현</a:t>
+              <a:t>안드로이드 스튜디오를 활용한 심리테스트 앱 구현</a:t>
             </a:r>
             <a:r>
               <a:rPr lang="en-US" altLang="ko-KR" kern="0" dirty="0">
